--- a/Desktop/portfolio/bridgingthegap.pptx
+++ b/Desktop/portfolio/bridgingthegap.pptx
@@ -121,10 +121,6 @@
 </p:presentation>
 </file>
 
-<file path=ppt/revisionInfo.xml><?xml version="1.0" encoding="utf-8"?>
-<p1510:revInfo xmlns:a="http://schemas.openxmlformats.org/drawingml/2006/main" xmlns:r="http://schemas.openxmlformats.org/officeDocument/2006/relationships" xmlns:p1510="http://schemas.microsoft.com/office/powerpoint/2015/10/main"/>
-</file>
-
 <file path=ppt/notesMasters/notesMaster1.xml><?xml version="1.0" encoding="utf-8"?>
 <p:notesMaster xmlns:a="http://schemas.openxmlformats.org/drawingml/2006/main" xmlns:r="http://schemas.openxmlformats.org/officeDocument/2006/relationships" xmlns:p="http://schemas.openxmlformats.org/presentationml/2006/main">
   <p:cSld>
@@ -207,7 +203,7 @@
           <a:p>
             <a:fld id="{36888966-12B0-44C2-9C8C-6C31F8E531DD}" type="datetimeFigureOut">
               <a:rPr lang="en-US" smtClean="0"/>
-              <a:t>11/2/2017</a:t>
+              <a:t>11/3/2016</a:t>
             </a:fld>
             <a:endParaRPr lang="en-US"/>
           </a:p>
@@ -771,7 +767,7 @@
           <a:p>
             <a:fld id="{45C780C8-5941-45A8-83D4-E141DC591DFE}" type="datetimeFigureOut">
               <a:rPr lang="en-US" smtClean="0"/>
-              <a:t>11/2/2017</a:t>
+              <a:t>11/3/2016</a:t>
             </a:fld>
             <a:endParaRPr lang="en-US"/>
           </a:p>
@@ -939,7 +935,7 @@
           <a:p>
             <a:fld id="{45C780C8-5941-45A8-83D4-E141DC591DFE}" type="datetimeFigureOut">
               <a:rPr lang="en-US" smtClean="0"/>
-              <a:t>11/2/2017</a:t>
+              <a:t>11/3/2016</a:t>
             </a:fld>
             <a:endParaRPr lang="en-US"/>
           </a:p>
@@ -1117,7 +1113,7 @@
           <a:p>
             <a:fld id="{45C780C8-5941-45A8-83D4-E141DC591DFE}" type="datetimeFigureOut">
               <a:rPr lang="en-US" smtClean="0"/>
-              <a:t>11/2/2017</a:t>
+              <a:t>11/3/2016</a:t>
             </a:fld>
             <a:endParaRPr lang="en-US"/>
           </a:p>
@@ -1285,7 +1281,7 @@
           <a:p>
             <a:fld id="{45C780C8-5941-45A8-83D4-E141DC591DFE}" type="datetimeFigureOut">
               <a:rPr lang="en-US" smtClean="0"/>
-              <a:t>11/2/2017</a:t>
+              <a:t>11/3/2016</a:t>
             </a:fld>
             <a:endParaRPr lang="en-US"/>
           </a:p>
@@ -1530,7 +1526,7 @@
           <a:p>
             <a:fld id="{45C780C8-5941-45A8-83D4-E141DC591DFE}" type="datetimeFigureOut">
               <a:rPr lang="en-US" smtClean="0"/>
-              <a:t>11/2/2017</a:t>
+              <a:t>11/3/2016</a:t>
             </a:fld>
             <a:endParaRPr lang="en-US"/>
           </a:p>
@@ -1759,7 +1755,7 @@
           <a:p>
             <a:fld id="{45C780C8-5941-45A8-83D4-E141DC591DFE}" type="datetimeFigureOut">
               <a:rPr lang="en-US" smtClean="0"/>
-              <a:t>11/2/2017</a:t>
+              <a:t>11/3/2016</a:t>
             </a:fld>
             <a:endParaRPr lang="en-US"/>
           </a:p>
@@ -2123,7 +2119,7 @@
           <a:p>
             <a:fld id="{45C780C8-5941-45A8-83D4-E141DC591DFE}" type="datetimeFigureOut">
               <a:rPr lang="en-US" smtClean="0"/>
-              <a:t>11/2/2017</a:t>
+              <a:t>11/3/2016</a:t>
             </a:fld>
             <a:endParaRPr lang="en-US"/>
           </a:p>
@@ -2240,7 +2236,7 @@
           <a:p>
             <a:fld id="{45C780C8-5941-45A8-83D4-E141DC591DFE}" type="datetimeFigureOut">
               <a:rPr lang="en-US" smtClean="0"/>
-              <a:t>11/2/2017</a:t>
+              <a:t>11/3/2016</a:t>
             </a:fld>
             <a:endParaRPr lang="en-US"/>
           </a:p>
@@ -2335,7 +2331,7 @@
           <a:p>
             <a:fld id="{45C780C8-5941-45A8-83D4-E141DC591DFE}" type="datetimeFigureOut">
               <a:rPr lang="en-US" smtClean="0"/>
-              <a:t>11/2/2017</a:t>
+              <a:t>11/3/2016</a:t>
             </a:fld>
             <a:endParaRPr lang="en-US"/>
           </a:p>
@@ -2610,7 +2606,7 @@
           <a:p>
             <a:fld id="{45C780C8-5941-45A8-83D4-E141DC591DFE}" type="datetimeFigureOut">
               <a:rPr lang="en-US" smtClean="0"/>
-              <a:t>11/2/2017</a:t>
+              <a:t>11/3/2016</a:t>
             </a:fld>
             <a:endParaRPr lang="en-US"/>
           </a:p>
@@ -2862,7 +2858,7 @@
           <a:p>
             <a:fld id="{45C780C8-5941-45A8-83D4-E141DC591DFE}" type="datetimeFigureOut">
               <a:rPr lang="en-US" smtClean="0"/>
-              <a:t>11/2/2017</a:t>
+              <a:t>11/3/2016</a:t>
             </a:fld>
             <a:endParaRPr lang="en-US"/>
           </a:p>
@@ -3073,7 +3069,7 @@
           <a:p>
             <a:fld id="{45C780C8-5941-45A8-83D4-E141DC591DFE}" type="datetimeFigureOut">
               <a:rPr lang="en-US" smtClean="0"/>
-              <a:t>11/2/2017</a:t>
+              <a:t>11/3/2016</a:t>
             </a:fld>
             <a:endParaRPr lang="en-US"/>
           </a:p>
